--- a/Apresentação Projeto.pptx
+++ b/Apresentação Projeto.pptx
@@ -272,7 +272,7 @@
           <a:p>
             <a:fld id="{A941B773-57BF-44F1-9114-BF00659A5118}" type="datetimeFigureOut">
               <a:rPr lang="pt-BR" smtClean="0"/>
-              <a:t>12/05/2023</a:t>
+              <a:t>22/05/2023</a:t>
             </a:fld>
             <a:endParaRPr lang="pt-BR"/>
           </a:p>
@@ -470,7 +470,7 @@
           <a:p>
             <a:fld id="{A941B773-57BF-44F1-9114-BF00659A5118}" type="datetimeFigureOut">
               <a:rPr lang="pt-BR" smtClean="0"/>
-              <a:t>12/05/2023</a:t>
+              <a:t>22/05/2023</a:t>
             </a:fld>
             <a:endParaRPr lang="pt-BR"/>
           </a:p>
@@ -678,7 +678,7 @@
           <a:p>
             <a:fld id="{A941B773-57BF-44F1-9114-BF00659A5118}" type="datetimeFigureOut">
               <a:rPr lang="pt-BR" smtClean="0"/>
-              <a:t>12/05/2023</a:t>
+              <a:t>22/05/2023</a:t>
             </a:fld>
             <a:endParaRPr lang="pt-BR"/>
           </a:p>
@@ -876,7 +876,7 @@
           <a:p>
             <a:fld id="{A941B773-57BF-44F1-9114-BF00659A5118}" type="datetimeFigureOut">
               <a:rPr lang="pt-BR" smtClean="0"/>
-              <a:t>12/05/2023</a:t>
+              <a:t>22/05/2023</a:t>
             </a:fld>
             <a:endParaRPr lang="pt-BR"/>
           </a:p>
@@ -1151,7 +1151,7 @@
           <a:p>
             <a:fld id="{A941B773-57BF-44F1-9114-BF00659A5118}" type="datetimeFigureOut">
               <a:rPr lang="pt-BR" smtClean="0"/>
-              <a:t>12/05/2023</a:t>
+              <a:t>22/05/2023</a:t>
             </a:fld>
             <a:endParaRPr lang="pt-BR"/>
           </a:p>
@@ -1416,7 +1416,7 @@
           <a:p>
             <a:fld id="{A941B773-57BF-44F1-9114-BF00659A5118}" type="datetimeFigureOut">
               <a:rPr lang="pt-BR" smtClean="0"/>
-              <a:t>12/05/2023</a:t>
+              <a:t>22/05/2023</a:t>
             </a:fld>
             <a:endParaRPr lang="pt-BR"/>
           </a:p>
@@ -1828,7 +1828,7 @@
           <a:p>
             <a:fld id="{A941B773-57BF-44F1-9114-BF00659A5118}" type="datetimeFigureOut">
               <a:rPr lang="pt-BR" smtClean="0"/>
-              <a:t>12/05/2023</a:t>
+              <a:t>22/05/2023</a:t>
             </a:fld>
             <a:endParaRPr lang="pt-BR"/>
           </a:p>
@@ -1969,7 +1969,7 @@
           <a:p>
             <a:fld id="{A941B773-57BF-44F1-9114-BF00659A5118}" type="datetimeFigureOut">
               <a:rPr lang="pt-BR" smtClean="0"/>
-              <a:t>12/05/2023</a:t>
+              <a:t>22/05/2023</a:t>
             </a:fld>
             <a:endParaRPr lang="pt-BR"/>
           </a:p>
@@ -2082,7 +2082,7 @@
           <a:p>
             <a:fld id="{A941B773-57BF-44F1-9114-BF00659A5118}" type="datetimeFigureOut">
               <a:rPr lang="pt-BR" smtClean="0"/>
-              <a:t>12/05/2023</a:t>
+              <a:t>22/05/2023</a:t>
             </a:fld>
             <a:endParaRPr lang="pt-BR"/>
           </a:p>
@@ -2393,7 +2393,7 @@
           <a:p>
             <a:fld id="{A941B773-57BF-44F1-9114-BF00659A5118}" type="datetimeFigureOut">
               <a:rPr lang="pt-BR" smtClean="0"/>
-              <a:t>12/05/2023</a:t>
+              <a:t>22/05/2023</a:t>
             </a:fld>
             <a:endParaRPr lang="pt-BR"/>
           </a:p>
@@ -2681,7 +2681,7 @@
           <a:p>
             <a:fld id="{A941B773-57BF-44F1-9114-BF00659A5118}" type="datetimeFigureOut">
               <a:rPr lang="pt-BR" smtClean="0"/>
-              <a:t>12/05/2023</a:t>
+              <a:t>22/05/2023</a:t>
             </a:fld>
             <a:endParaRPr lang="pt-BR"/>
           </a:p>
@@ -2922,7 +2922,7 @@
           <a:p>
             <a:fld id="{A941B773-57BF-44F1-9114-BF00659A5118}" type="datetimeFigureOut">
               <a:rPr lang="pt-BR" smtClean="0"/>
-              <a:t>12/05/2023</a:t>
+              <a:t>22/05/2023</a:t>
             </a:fld>
             <a:endParaRPr lang="pt-BR"/>
           </a:p>
@@ -4978,6 +4978,17 @@
               <a:t>.</a:t>
             </a:r>
           </a:p>
+          <a:p>
+            <a:r>
+              <a:rPr lang="pt-BR" dirty="0"/>
+              <a:t>O grafo foi representado visualmente como não direcionado, pois se fosse direcionado, o número de arcos aumentaria muito</a:t>
+            </a:r>
+            <a:r>
+              <a:rPr lang="pt-BR"/>
+              <a:t>, prejudicando a visualização.</a:t>
+            </a:r>
+            <a:endParaRPr lang="pt-BR" dirty="0"/>
+          </a:p>
         </p:txBody>
       </p:sp>
     </p:spTree>
